--- a/materials/slides/ch01.pptx
+++ b/materials/slides/ch01.pptx
@@ -4672,7 +4672,6 @@
           <a:ln>
             <a:noFill/>
           </a:ln>
-          <a:extLst/>
         </p:spPr>
         <p:txBody>
           <a:bodyPr>
@@ -4892,7 +4891,6 @@
           <a:ln>
             <a:noFill/>
           </a:ln>
-          <a:extLst/>
         </p:spPr>
         <p:txBody>
           <a:bodyPr wrap="none" anchor="ctr"/>
@@ -5044,7 +5042,6 @@
           <a:ln>
             <a:noFill/>
           </a:ln>
-          <a:extLst/>
         </p:spPr>
         <p:txBody>
           <a:bodyPr wrap="none" anchor="ctr"/>
@@ -5192,7 +5189,6 @@
           <a:ln>
             <a:noFill/>
           </a:ln>
-          <a:extLst/>
         </p:spPr>
         <p:txBody>
           <a:bodyPr/>
@@ -6733,7 +6729,7 @@
               <a:pPr>
                 <a:defRPr/>
               </a:pPr>
-              <a:t>2018/3/28</a:t>
+              <a:t>2019/7/16</a:t>
             </a:fld>
             <a:endParaRPr lang="zh-CN" altLang="en-US"/>
           </a:p>
@@ -7052,7 +7048,7 @@
               <a:pPr>
                 <a:defRPr/>
               </a:pPr>
-              <a:t>2018/3/28</a:t>
+              <a:t>2019/7/16</a:t>
             </a:fld>
             <a:endParaRPr lang="zh-CN" altLang="en-US"/>
           </a:p>
@@ -14023,26 +14019,29 @@
           <a:lstStyle/>
           <a:p>
             <a:r>
+              <a:rPr lang="en-US" altLang="zh-CN" dirty="0"/>
+              <a:t> </a:t>
+            </a:r>
+            <a:r>
+              <a:rPr lang="zh-CN" altLang="zh-CN" dirty="0"/>
+              <a:t>广义的数据挖掘是指针对收集的大规模数据，应用整套科学工具和挖掘技术（如数据、计算、可视化、分析、统计、实验、问题定义、建模与验证等），从数据之中发现隐含的、对决策有参考意义的信息、价值和趋势。</a:t>
+            </a:r>
+            <a:r>
               <a:rPr lang="en-US" altLang="zh-CN"/>
-              <a:t> </a:t>
-            </a:r>
-            <a:r>
-              <a:rPr lang="zh-CN" altLang="zh-CN"/>
-              <a:t>广义的数据挖掘是指针对收集的大规模数据，应用整套科学工具和挖掘技术（如数据、计算、可视化、分析、统计、实验、问题定义、建模与验证等），从数据之中发现隐含的、对决策有参考意义的信息、价值和趋势。</a:t>
-            </a:r>
-            <a:endParaRPr lang="en-US" altLang="zh-CN"/>
-          </a:p>
-          <a:p>
-            <a:r>
-              <a:rPr lang="zh-CN" altLang="zh-CN"/>
+              <a:t> </a:t>
+            </a:r>
+          </a:p>
+          <a:p>
+            <a:r>
+              <a:rPr lang="zh-CN" altLang="zh-CN" dirty="0"/>
               <a:t>随着计算机技术的全面发展，企业生产、收集、存储和处理数据的能力大大提高，数据量与日俱增。数据的积累实质上是企业的经验和业务的沉淀。越来越多的企业引入“数据思维”——不只是依赖于数据的统计分析，更强调对数据进行挖掘，期待从这一“未来世界的石油”中发现潜在的价值。这一迫切的“开采”需求在世界范围内酝酿了一次“大数据”变革。</a:t>
             </a:r>
           </a:p>
           <a:p>
-            <a:endParaRPr lang="en-US" altLang="zh-CN"/>
-          </a:p>
-          <a:p>
-            <a:endParaRPr lang="en-US" altLang="zh-CN"/>
+            <a:endParaRPr lang="en-US" altLang="zh-CN" dirty="0"/>
+          </a:p>
+          <a:p>
+            <a:endParaRPr lang="en-US" altLang="zh-CN" dirty="0"/>
           </a:p>
           <a:p>
             <a:endParaRPr lang="zh-CN" altLang="en-US" dirty="0"/>
@@ -14946,7 +14945,6 @@
             <a:noFill/>
           </a:ln>
           <a:effectLst/>
-          <a:extLst/>
         </p:spPr>
         <p:txBody>
           <a:bodyPr wrap="none" anchor="ctr"/>

--- a/materials/slides/ch01.pptx
+++ b/materials/slides/ch01.pptx
@@ -4672,6 +4672,7 @@
           <a:ln>
             <a:noFill/>
           </a:ln>
+          <a:extLst/>
         </p:spPr>
         <p:txBody>
           <a:bodyPr>
@@ -4891,6 +4892,7 @@
           <a:ln>
             <a:noFill/>
           </a:ln>
+          <a:extLst/>
         </p:spPr>
         <p:txBody>
           <a:bodyPr wrap="none" anchor="ctr"/>
@@ -5042,6 +5044,7 @@
           <a:ln>
             <a:noFill/>
           </a:ln>
+          <a:extLst/>
         </p:spPr>
         <p:txBody>
           <a:bodyPr wrap="none" anchor="ctr"/>
@@ -5189,6 +5192,7 @@
           <a:ln>
             <a:noFill/>
           </a:ln>
+          <a:extLst/>
         </p:spPr>
         <p:txBody>
           <a:bodyPr/>
@@ -6729,7 +6733,7 @@
               <a:pPr>
                 <a:defRPr/>
               </a:pPr>
-              <a:t>2019/7/16</a:t>
+              <a:t>2018/3/28</a:t>
             </a:fld>
             <a:endParaRPr lang="zh-CN" altLang="en-US"/>
           </a:p>
@@ -7048,7 +7052,7 @@
               <a:pPr>
                 <a:defRPr/>
               </a:pPr>
-              <a:t>2019/7/16</a:t>
+              <a:t>2018/3/28</a:t>
             </a:fld>
             <a:endParaRPr lang="zh-CN" altLang="en-US"/>
           </a:p>
@@ -14019,29 +14023,26 @@
           <a:lstStyle/>
           <a:p>
             <a:r>
-              <a:rPr lang="en-US" altLang="zh-CN" dirty="0"/>
+              <a:rPr lang="en-US" altLang="zh-CN"/>
               <a:t> </a:t>
             </a:r>
             <a:r>
-              <a:rPr lang="zh-CN" altLang="zh-CN" dirty="0"/>
+              <a:rPr lang="zh-CN" altLang="zh-CN"/>
               <a:t>广义的数据挖掘是指针对收集的大规模数据，应用整套科学工具和挖掘技术（如数据、计算、可视化、分析、统计、实验、问题定义、建模与验证等），从数据之中发现隐含的、对决策有参考意义的信息、价值和趋势。</a:t>
             </a:r>
-            <a:r>
-              <a:rPr lang="en-US" altLang="zh-CN"/>
-              <a:t> </a:t>
-            </a:r>
-          </a:p>
-          <a:p>
-            <a:r>
-              <a:rPr lang="zh-CN" altLang="zh-CN" dirty="0"/>
+            <a:endParaRPr lang="en-US" altLang="zh-CN"/>
+          </a:p>
+          <a:p>
+            <a:r>
+              <a:rPr lang="zh-CN" altLang="zh-CN"/>
               <a:t>随着计算机技术的全面发展，企业生产、收集、存储和处理数据的能力大大提高，数据量与日俱增。数据的积累实质上是企业的经验和业务的沉淀。越来越多的企业引入“数据思维”——不只是依赖于数据的统计分析，更强调对数据进行挖掘，期待从这一“未来世界的石油”中发现潜在的价值。这一迫切的“开采”需求在世界范围内酝酿了一次“大数据”变革。</a:t>
             </a:r>
           </a:p>
           <a:p>
-            <a:endParaRPr lang="en-US" altLang="zh-CN" dirty="0"/>
-          </a:p>
-          <a:p>
-            <a:endParaRPr lang="en-US" altLang="zh-CN" dirty="0"/>
+            <a:endParaRPr lang="en-US" altLang="zh-CN"/>
+          </a:p>
+          <a:p>
+            <a:endParaRPr lang="en-US" altLang="zh-CN"/>
           </a:p>
           <a:p>
             <a:endParaRPr lang="zh-CN" altLang="en-US" dirty="0"/>
@@ -14945,6 +14946,7 @@
             <a:noFill/>
           </a:ln>
           <a:effectLst/>
+          <a:extLst/>
         </p:spPr>
         <p:txBody>
           <a:bodyPr wrap="none" anchor="ctr"/>
